--- a/INSIDER.pptx
+++ b/INSIDER.pptx
@@ -112,6 +112,11 @@
       </a:defRPr>
     </a:lvl9pPr>
   </p:defaultTextStyle>
+  <p:extLst>
+    <p:ext uri="{EFAFB233-063F-42B5-8137-9DF3F51BA10A}">
+      <p15:sldGuideLst xmlns:p15="http://schemas.microsoft.com/office/powerpoint/2012/main"/>
+    </p:ext>
+  </p:extLst>
 </p:presentation>
 </file>
 
@@ -329,7 +334,7 @@
             <a:fld id="{B61BEF0D-F0BB-DE4B-95CE-6DB70DBA9567}" type="datetimeFigureOut">
               <a:rPr lang="en-US" dirty="0"/>
               <a:pPr/>
-              <a:t>1/3/2019</a:t>
+              <a:t>1/5/2019</a:t>
             </a:fld>
             <a:endParaRPr lang="en-US" dirty="0"/>
           </a:p>
@@ -617,7 +622,7 @@
             <a:fld id="{B61BEF0D-F0BB-DE4B-95CE-6DB70DBA9567}" type="datetimeFigureOut">
               <a:rPr lang="en-US" dirty="0"/>
               <a:pPr/>
-              <a:t>1/3/2019</a:t>
+              <a:t>1/5/2019</a:t>
             </a:fld>
             <a:endParaRPr lang="en-US" dirty="0"/>
           </a:p>
@@ -873,7 +878,7 @@
             <a:fld id="{B61BEF0D-F0BB-DE4B-95CE-6DB70DBA9567}" type="datetimeFigureOut">
               <a:rPr lang="en-US" dirty="0"/>
               <a:pPr/>
-              <a:t>1/3/2019</a:t>
+              <a:t>1/5/2019</a:t>
             </a:fld>
             <a:endParaRPr lang="en-US" dirty="0"/>
           </a:p>
@@ -1339,7 +1344,7 @@
             <a:fld id="{B61BEF0D-F0BB-DE4B-95CE-6DB70DBA9567}" type="datetimeFigureOut">
               <a:rPr lang="en-US" dirty="0"/>
               <a:pPr/>
-              <a:t>1/3/2019</a:t>
+              <a:t>1/5/2019</a:t>
             </a:fld>
             <a:endParaRPr lang="en-US" dirty="0"/>
           </a:p>
@@ -1516,7 +1521,7 @@
             <a:fld id="{B61BEF0D-F0BB-DE4B-95CE-6DB70DBA9567}" type="datetimeFigureOut">
               <a:rPr lang="en-US" dirty="0"/>
               <a:pPr/>
-              <a:t>1/3/2019</a:t>
+              <a:t>1/5/2019</a:t>
             </a:fld>
             <a:endParaRPr lang="en-US" dirty="0"/>
           </a:p>
@@ -2089,7 +2094,7 @@
             <a:fld id="{B61BEF0D-F0BB-DE4B-95CE-6DB70DBA9567}" type="datetimeFigureOut">
               <a:rPr lang="en-US" dirty="0"/>
               <a:pPr/>
-              <a:t>1/3/2019</a:t>
+              <a:t>1/5/2019</a:t>
             </a:fld>
             <a:endParaRPr lang="en-US" dirty="0"/>
           </a:p>
@@ -2418,7 +2423,7 @@
             <a:fld id="{B61BEF0D-F0BB-DE4B-95CE-6DB70DBA9567}" type="datetimeFigureOut">
               <a:rPr lang="en-US" dirty="0"/>
               <a:pPr/>
-              <a:t>1/3/2019</a:t>
+              <a:t>1/5/2019</a:t>
             </a:fld>
             <a:endParaRPr lang="en-US" dirty="0"/>
           </a:p>
@@ -2590,7 +2595,7 @@
             <a:fld id="{B61BEF0D-F0BB-DE4B-95CE-6DB70DBA9567}" type="datetimeFigureOut">
               <a:rPr lang="en-US" dirty="0"/>
               <a:pPr/>
-              <a:t>1/3/2019</a:t>
+              <a:t>1/5/2019</a:t>
             </a:fld>
             <a:endParaRPr lang="en-US" dirty="0"/>
           </a:p>
@@ -2767,7 +2772,7 @@
             <a:fld id="{B61BEF0D-F0BB-DE4B-95CE-6DB70DBA9567}" type="datetimeFigureOut">
               <a:rPr lang="en-US" dirty="0"/>
               <a:pPr/>
-              <a:t>1/3/2019</a:t>
+              <a:t>1/5/2019</a:t>
             </a:fld>
             <a:endParaRPr lang="en-US" dirty="0"/>
           </a:p>
@@ -2934,7 +2939,7 @@
             <a:fld id="{B61BEF0D-F0BB-DE4B-95CE-6DB70DBA9567}" type="datetimeFigureOut">
               <a:rPr lang="en-US" dirty="0"/>
               <a:pPr/>
-              <a:t>1/3/2019</a:t>
+              <a:t>1/5/2019</a:t>
             </a:fld>
             <a:endParaRPr lang="en-US" dirty="0"/>
           </a:p>
@@ -3188,7 +3193,7 @@
             <a:fld id="{B61BEF0D-F0BB-DE4B-95CE-6DB70DBA9567}" type="datetimeFigureOut">
               <a:rPr lang="en-US" dirty="0"/>
               <a:pPr/>
-              <a:t>1/3/2019</a:t>
+              <a:t>1/5/2019</a:t>
             </a:fld>
             <a:endParaRPr lang="en-US" dirty="0"/>
           </a:p>
@@ -3477,7 +3482,7 @@
             <a:fld id="{B61BEF0D-F0BB-DE4B-95CE-6DB70DBA9567}" type="datetimeFigureOut">
               <a:rPr lang="en-US" dirty="0"/>
               <a:pPr/>
-              <a:t>1/3/2019</a:t>
+              <a:t>1/5/2019</a:t>
             </a:fld>
             <a:endParaRPr lang="en-US" dirty="0"/>
           </a:p>
@@ -3904,7 +3909,7 @@
             <a:fld id="{B61BEF0D-F0BB-DE4B-95CE-6DB70DBA9567}" type="datetimeFigureOut">
               <a:rPr lang="en-US" dirty="0"/>
               <a:pPr/>
-              <a:t>1/3/2019</a:t>
+              <a:t>1/5/2019</a:t>
             </a:fld>
             <a:endParaRPr lang="en-US" dirty="0"/>
           </a:p>
@@ -4019,7 +4024,7 @@
             <a:fld id="{B61BEF0D-F0BB-DE4B-95CE-6DB70DBA9567}" type="datetimeFigureOut">
               <a:rPr lang="en-US" dirty="0"/>
               <a:pPr/>
-              <a:t>1/3/2019</a:t>
+              <a:t>1/5/2019</a:t>
             </a:fld>
             <a:endParaRPr lang="en-US" dirty="0"/>
           </a:p>
@@ -4111,7 +4116,7 @@
             <a:fld id="{B61BEF0D-F0BB-DE4B-95CE-6DB70DBA9567}" type="datetimeFigureOut">
               <a:rPr lang="en-US" dirty="0"/>
               <a:pPr/>
-              <a:t>1/3/2019</a:t>
+              <a:t>1/5/2019</a:t>
             </a:fld>
             <a:endParaRPr lang="en-US" dirty="0"/>
           </a:p>
@@ -4391,7 +4396,7 @@
             <a:fld id="{B61BEF0D-F0BB-DE4B-95CE-6DB70DBA9567}" type="datetimeFigureOut">
               <a:rPr lang="en-US" dirty="0"/>
               <a:pPr/>
-              <a:t>1/3/2019</a:t>
+              <a:t>1/5/2019</a:t>
             </a:fld>
             <a:endParaRPr lang="en-US" dirty="0"/>
           </a:p>
@@ -4679,7 +4684,7 @@
             <a:fld id="{B61BEF0D-F0BB-DE4B-95CE-6DB70DBA9567}" type="datetimeFigureOut">
               <a:rPr lang="en-US" dirty="0"/>
               <a:pPr/>
-              <a:t>1/3/2019</a:t>
+              <a:t>1/5/2019</a:t>
             </a:fld>
             <a:endParaRPr lang="en-US" dirty="0"/>
           </a:p>
@@ -4907,7 +4912,7 @@
             <a:fld id="{B61BEF0D-F0BB-DE4B-95CE-6DB70DBA9567}" type="datetimeFigureOut">
               <a:rPr lang="en-US" dirty="0"/>
               <a:pPr/>
-              <a:t>1/3/2019</a:t>
+              <a:t>1/5/2019</a:t>
             </a:fld>
             <a:endParaRPr lang="en-US" dirty="0"/>
           </a:p>
@@ -5825,8 +5830,8 @@
         </p:nvSpPr>
         <p:spPr>
           <a:xfrm>
-            <a:off x="3935896" y="1908312"/>
-            <a:ext cx="7911547" cy="4111487"/>
+            <a:off x="4426228" y="1974573"/>
+            <a:ext cx="6758607" cy="4111487"/>
           </a:xfrm>
         </p:spPr>
         <p:txBody>
@@ -5848,7 +5853,7 @@
             </a:r>
             <a:r>
               <a:rPr lang="en-US" sz="2800" dirty="0"/>
-              <a:t> </a:t>
+              <a:t>| Database </a:t>
             </a:r>
           </a:p>
           <a:p>
@@ -5869,12 +5874,9 @@
             </a:r>
             <a:r>
               <a:rPr lang="en-US" sz="2800" dirty="0" err="1"/>
-              <a:t>javascript|api|new</a:t>
-            </a:r>
-            <a:r>
-              <a:rPr lang="en-US" sz="2800" dirty="0"/>
-              <a:t> technology</a:t>
-            </a:r>
+              <a:t>javascript|api</a:t>
+            </a:r>
+            <a:endParaRPr lang="en-US" sz="2800" dirty="0"/>
           </a:p>
           <a:p>
             <a:pPr marL="0" indent="0">
@@ -5886,7 +5888,7 @@
             </a:r>
             <a:r>
               <a:rPr lang="en-US" sz="2800" dirty="0" err="1"/>
-              <a:t>javascript|database</a:t>
+              <a:t>javascript|Models</a:t>
             </a:r>
             <a:r>
               <a:rPr lang="en-US" sz="2800" dirty="0"/>
@@ -5953,7 +5955,7 @@
           <a:p>
             <a:r>
               <a:rPr lang="en-US" dirty="0"/>
-              <a:t>What We created/the vision</a:t>
+              <a:t>the vision</a:t>
             </a:r>
           </a:p>
         </p:txBody>
@@ -5974,15 +5976,25 @@
             <p:ph idx="1"/>
           </p:nvPr>
         </p:nvSpPr>
-        <p:spPr/>
-        <p:txBody>
-          <a:bodyPr/>
+        <p:spPr>
+          <a:xfrm>
+            <a:off x="4693708" y="2040835"/>
+            <a:ext cx="5776223" cy="4068418"/>
+          </a:xfrm>
+        </p:spPr>
+        <p:txBody>
+          <a:bodyPr>
+            <a:normAutofit/>
+          </a:bodyPr>
           <a:lstStyle/>
           <a:p>
             <a:pPr marL="0" indent="0">
               <a:buNone/>
             </a:pPr>
-            <a:endParaRPr lang="en-US" dirty="0"/>
+            <a:r>
+              <a:rPr lang="en-US" sz="2800" dirty="0"/>
+              <a:t>We have created a user-friendly platform for communication and discovery. Insider comes stock with an easy-on-the-eyes dark theme and a straightforward approach to information sharing</a:t>
+            </a:r>
           </a:p>
         </p:txBody>
       </p:sp>
@@ -6034,7 +6046,7 @@
         </p:nvSpPr>
         <p:spPr>
           <a:xfrm>
-            <a:off x="1144587" y="801858"/>
+            <a:off x="998813" y="1159666"/>
             <a:ext cx="3549121" cy="889781"/>
           </a:xfrm>
         </p:spPr>
@@ -6065,15 +6077,25 @@
             <p:ph idx="1"/>
           </p:nvPr>
         </p:nvSpPr>
-        <p:spPr/>
-        <p:txBody>
-          <a:bodyPr/>
+        <p:spPr>
+          <a:xfrm>
+            <a:off x="4672267" y="1894958"/>
+            <a:ext cx="5943601" cy="4240697"/>
+          </a:xfrm>
+        </p:spPr>
+        <p:txBody>
+          <a:bodyPr>
+            <a:normAutofit/>
+          </a:bodyPr>
           <a:lstStyle/>
           <a:p>
             <a:pPr marL="0" indent="0">
               <a:buNone/>
             </a:pPr>
-            <a:endParaRPr lang="en-US" dirty="0"/>
+            <a:r>
+              <a:rPr lang="en-US" sz="2800" dirty="0"/>
+              <a:t>With the world growing more connected and sensitive everyday, people demand a new way to express themselves and share ideas. Our team took this into consideration when developing our new social media platform, Insider.</a:t>
+            </a:r>
           </a:p>
         </p:txBody>
       </p:sp>
@@ -6109,58 +6131,88 @@
       </p:grpSpPr>
       <p:sp>
         <p:nvSpPr>
-          <p:cNvPr id="3" name="Content Placeholder 2">
+          <p:cNvPr id="6" name="Rectangle 5">
             <a:extLst>
               <a:ext uri="{FF2B5EF4-FFF2-40B4-BE49-F238E27FC236}">
-                <a16:creationId xmlns:a16="http://schemas.microsoft.com/office/drawing/2014/main" id="{2F1CDE7D-00DB-4FA2-8DAD-7F848EF49215}"/>
+                <a16:creationId xmlns:a16="http://schemas.microsoft.com/office/drawing/2014/main" id="{8CFB954E-57E5-4030-A5C4-60444C4B9CA3}"/>
               </a:ext>
             </a:extLst>
           </p:cNvPr>
-          <p:cNvSpPr>
-            <a:spLocks noGrp="1"/>
-          </p:cNvSpPr>
-          <p:nvPr>
-            <p:ph idx="1"/>
-          </p:nvPr>
+          <p:cNvSpPr/>
+          <p:nvPr/>
         </p:nvSpPr>
         <p:spPr>
           <a:xfrm>
-            <a:off x="1143001" y="1866899"/>
-            <a:ext cx="9905998" cy="3124201"/>
+            <a:off x="1284848" y="1052145"/>
+            <a:ext cx="9622302" cy="4814083"/>
           </a:xfrm>
+          <a:prstGeom prst="rect">
+            <a:avLst/>
+          </a:prstGeom>
+          <a:solidFill>
+            <a:schemeClr val="bg1"/>
+          </a:solidFill>
+          <a:ln>
+            <a:solidFill>
+              <a:schemeClr val="bg1"/>
+            </a:solidFill>
+          </a:ln>
         </p:spPr>
-        <p:txBody>
-          <a:bodyPr>
-            <a:normAutofit/>
-          </a:bodyPr>
-          <a:lstStyle/>
-          <a:p>
-            <a:pPr marL="0" indent="0" algn="ctr">
-              <a:buNone/>
-            </a:pPr>
-            <a:r>
-              <a:rPr lang="en-US" sz="3200" dirty="0">
-                <a:solidFill>
-                  <a:schemeClr val="tx1"/>
-                </a:solidFill>
-                <a:hlinkClick r:id="rId2">
-                  <a:extLst>
-                    <a:ext uri="{A12FA001-AC4F-418D-AE19-62706E023703}">
-                      <ahyp:hlinkClr xmlns:ahyp="http://schemas.microsoft.com/office/drawing/2018/hyperlinkcolor" val="tx"/>
-                    </a:ext>
-                  </a:extLst>
-                </a:hlinkClick>
-              </a:rPr>
-              <a:t>https://smattis18.github.io/Insider/</a:t>
-            </a:r>
-            <a:endParaRPr lang="en-US" sz="3200" dirty="0">
-              <a:solidFill>
-                <a:schemeClr val="tx1"/>
-              </a:solidFill>
-            </a:endParaRPr>
-          </a:p>
-        </p:txBody>
-      </p:sp>
+        <p:style>
+          <a:lnRef idx="2">
+            <a:schemeClr val="accent1">
+              <a:shade val="50000"/>
+            </a:schemeClr>
+          </a:lnRef>
+          <a:fillRef idx="1">
+            <a:schemeClr val="accent1"/>
+          </a:fillRef>
+          <a:effectRef idx="0">
+            <a:schemeClr val="accent1"/>
+          </a:effectRef>
+          <a:fontRef idx="minor">
+            <a:schemeClr val="lt1"/>
+          </a:fontRef>
+        </p:style>
+        <p:txBody>
+          <a:bodyPr rtlCol="0" anchor="ctr"/>
+          <a:lstStyle/>
+          <a:p>
+            <a:pPr algn="ctr"/>
+            <a:endParaRPr lang="en-US"/>
+          </a:p>
+        </p:txBody>
+      </p:sp>
+      <p:pic>
+        <p:nvPicPr>
+          <p:cNvPr id="2" name="Picture 1">
+            <a:extLst>
+              <a:ext uri="{FF2B5EF4-FFF2-40B4-BE49-F238E27FC236}">
+                <a16:creationId xmlns:a16="http://schemas.microsoft.com/office/drawing/2014/main" id="{909DDAD1-3792-499B-A739-8C94B62D62DE}"/>
+              </a:ext>
+            </a:extLst>
+          </p:cNvPr>
+          <p:cNvPicPr>
+            <a:picLocks noChangeAspect="1"/>
+          </p:cNvPicPr>
+          <p:nvPr/>
+        </p:nvPicPr>
+        <p:blipFill>
+          <a:blip r:embed="rId2"/>
+          <a:stretch>
+            <a:fillRect/>
+          </a:stretch>
+        </p:blipFill>
+        <p:spPr>
+          <a:xfrm>
+            <a:off x="1794933" y="1479436"/>
+            <a:ext cx="8602133" cy="3899127"/>
+          </a:xfrm>
+          <a:prstGeom prst="rect">
+            <a:avLst/>
+          </a:prstGeom>
+        </p:spPr>
+      </p:pic>
     </p:spTree>
     <p:extLst>
       <p:ext uri="{BB962C8B-B14F-4D97-AF65-F5344CB8AC3E}">
@@ -6242,8 +6294,8 @@
         </p:nvSpPr>
         <p:spPr>
           <a:xfrm>
-            <a:off x="5103812" y="838200"/>
-            <a:ext cx="5943601" cy="5181600"/>
+            <a:off x="4579240" y="1487557"/>
+            <a:ext cx="6559826" cy="5181600"/>
           </a:xfrm>
         </p:spPr>
         <p:txBody>
@@ -6257,7 +6309,7 @@
             </a:pPr>
             <a:r>
               <a:rPr lang="en-US" sz="2800" dirty="0"/>
-              <a:t>Handlebars, CSS, and Routes</a:t>
+              <a:t>Handlebars, CSS, Routes, and Database</a:t>
             </a:r>
           </a:p>
         </p:txBody>
@@ -6343,7 +6395,7 @@
         </p:nvSpPr>
         <p:spPr>
           <a:xfrm>
-            <a:off x="5103812" y="838200"/>
+            <a:off x="5103812" y="1234440"/>
             <a:ext cx="5943601" cy="5181600"/>
           </a:xfrm>
         </p:spPr>
@@ -6358,7 +6410,7 @@
             </a:pPr>
             <a:r>
               <a:rPr lang="en-US" sz="2800" dirty="0"/>
-              <a:t>JavaScript, APIs, and New Technology</a:t>
+              <a:t>JavaScript and APIs</a:t>
             </a:r>
           </a:p>
         </p:txBody>
@@ -6444,8 +6496,8 @@
         </p:nvSpPr>
         <p:spPr>
           <a:xfrm>
-            <a:off x="5088835" y="838200"/>
-            <a:ext cx="5958578" cy="5181600"/>
+            <a:off x="4500228" y="1421296"/>
+            <a:ext cx="6891130" cy="5181600"/>
           </a:xfrm>
         </p:spPr>
         <p:txBody>
@@ -6459,7 +6511,7 @@
             </a:pPr>
             <a:r>
               <a:rPr lang="en-US" sz="2800" dirty="0"/>
-              <a:t>JavaScript, Database, and Authentication</a:t>
+              <a:t>JavaScript, Models , and Authentication</a:t>
             </a:r>
           </a:p>
         </p:txBody>
@@ -6545,13 +6597,13 @@
         </p:nvSpPr>
         <p:spPr>
           <a:xfrm>
-            <a:off x="5103812" y="648006"/>
-            <a:ext cx="5943601" cy="5514255"/>
+            <a:off x="5103812" y="371061"/>
+            <a:ext cx="5943601" cy="6281531"/>
           </a:xfrm>
         </p:spPr>
         <p:txBody>
           <a:bodyPr anchor="t">
-            <a:normAutofit/>
+            <a:normAutofit lnSpcReduction="10000"/>
           </a:bodyPr>
           <a:lstStyle/>
           <a:p>
@@ -6559,7 +6611,7 @@
               <a:buNone/>
             </a:pPr>
             <a:r>
-              <a:rPr lang="en-US" sz="2800" dirty="0"/>
+              <a:rPr lang="en-US" sz="2400" dirty="0"/>
               <a:t>Post Photos</a:t>
             </a:r>
           </a:p>
@@ -6568,8 +6620,53 @@
               <a:buNone/>
             </a:pPr>
             <a:r>
-              <a:rPr lang="en-US" sz="2800" dirty="0"/>
-              <a:t>Maybe merge this project with our first project, Local Orlando.</a:t>
+              <a:rPr lang="en-US" sz="2400" dirty="0"/>
+              <a:t>Login Authentication</a:t>
+            </a:r>
+          </a:p>
+          <a:p>
+            <a:pPr marL="0" indent="0">
+              <a:buNone/>
+            </a:pPr>
+            <a:r>
+              <a:rPr lang="en-US" sz="2400" dirty="0"/>
+              <a:t>Find Friends</a:t>
+            </a:r>
+          </a:p>
+          <a:p>
+            <a:pPr marL="0" indent="0">
+              <a:buNone/>
+            </a:pPr>
+            <a:r>
+              <a:rPr lang="en-US" sz="2400" dirty="0"/>
+              <a:t>Comment On Posts</a:t>
+            </a:r>
+          </a:p>
+          <a:p>
+            <a:pPr marL="0" indent="0">
+              <a:buNone/>
+            </a:pPr>
+            <a:r>
+              <a:rPr lang="en-US" sz="2400" dirty="0"/>
+              <a:t>Edit and Delete Posts</a:t>
+            </a:r>
+          </a:p>
+          <a:p>
+            <a:pPr marL="0" indent="0">
+              <a:buNone/>
+            </a:pPr>
+            <a:r>
+              <a:rPr lang="en-US" sz="2400" dirty="0"/>
+              <a:t>Receive Notifications</a:t>
+            </a:r>
+          </a:p>
+          <a:p>
+            <a:pPr marL="0" indent="0">
+              <a:buNone/>
+            </a:pPr>
+            <a:r>
+              <a:rPr lang="en-US" sz="2400" dirty="0"/>
+              <a:t>Merge this project with our first project, Local Orlando. With a few coding and cosmetic tweaks, we could change Local Orlando into a day/trip planning site for the entire world. Upon integration with Insider, users could not only plan their day out based on their own preferences, but also take into consideration what their friends and family have planned.</a:t>
             </a:r>
           </a:p>
         </p:txBody>

--- a/INSIDER.pptx
+++ b/INSIDER.pptx
@@ -14,6 +14,7 @@
     <p:sldId id="262" r:id="rId8"/>
     <p:sldId id="263" r:id="rId9"/>
     <p:sldId id="264" r:id="rId10"/>
+    <p:sldId id="265" r:id="rId11"/>
   </p:sldIdLst>
   <p:sldSz cx="12192000" cy="6858000"/>
   <p:notesSz cx="6858000" cy="9144000"/>
@@ -5762,6 +5763,89 @@
 </p:sld>
 </file>
 
+<file path=ppt/slides/slide10.xml><?xml version="1.0" encoding="utf-8"?>
+<p:sld xmlns:a="http://schemas.openxmlformats.org/drawingml/2006/main" xmlns:r="http://schemas.openxmlformats.org/officeDocument/2006/relationships" xmlns:p="http://schemas.openxmlformats.org/presentationml/2006/main">
+  <p:cSld>
+    <p:bg>
+      <p:bgPr>
+        <a:blipFill rotWithShape="1">
+          <a:blip r:embed="rId2">
+            <a:duotone>
+              <a:schemeClr val="bg2">
+                <a:shade val="28000"/>
+                <a:satMod val="94000"/>
+                <a:lumMod val="20000"/>
+              </a:schemeClr>
+              <a:schemeClr val="bg2">
+                <a:tint val="94000"/>
+                <a:shade val="84000"/>
+                <a:satMod val="148000"/>
+                <a:lumMod val="114000"/>
+              </a:schemeClr>
+            </a:duotone>
+            <a:extLst/>
+          </a:blip>
+          <a:stretch/>
+        </a:blipFill>
+        <a:effectLst/>
+      </p:bgPr>
+    </p:bg>
+    <p:spTree>
+      <p:nvGrpSpPr>
+        <p:cNvPr id="1" name=""/>
+        <p:cNvGrpSpPr/>
+        <p:nvPr/>
+      </p:nvGrpSpPr>
+      <p:grpSpPr>
+        <a:xfrm>
+          <a:off x="0" y="0"/>
+          <a:ext cx="0" cy="0"/>
+          <a:chOff x="0" y="0"/>
+          <a:chExt cx="0" cy="0"/>
+        </a:xfrm>
+      </p:grpSpPr>
+      <p:pic>
+        <p:nvPicPr>
+          <p:cNvPr id="2" name="Picture 1">
+            <a:extLst>
+              <a:ext uri="{FF2B5EF4-FFF2-40B4-BE49-F238E27FC236}">
+                <a16:creationId xmlns:a16="http://schemas.microsoft.com/office/drawing/2014/main" id="{D0DFD8A9-FE21-4C48-A266-B88A82EB7A2D}"/>
+              </a:ext>
+            </a:extLst>
+          </p:cNvPr>
+          <p:cNvPicPr>
+            <a:picLocks noChangeAspect="1"/>
+          </p:cNvPicPr>
+          <p:nvPr/>
+        </p:nvPicPr>
+        <p:blipFill rotWithShape="1">
+          <a:blip r:embed="rId3"/>
+          <a:srcRect l="9722" r="7611"/>
+          <a:stretch/>
+        </p:blipFill>
+        <p:spPr>
+          <a:xfrm>
+            <a:off x="912065" y="513036"/>
+            <a:ext cx="10367869" cy="5831927"/>
+          </a:xfrm>
+          <a:prstGeom prst="rect">
+            <a:avLst/>
+          </a:prstGeom>
+        </p:spPr>
+      </p:pic>
+    </p:spTree>
+    <p:extLst>
+      <p:ext uri="{BB962C8B-B14F-4D97-AF65-F5344CB8AC3E}">
+        <p14:creationId xmlns:p14="http://schemas.microsoft.com/office/powerpoint/2010/main" val="2068070881"/>
+      </p:ext>
+    </p:extLst>
+  </p:cSld>
+  <p:clrMapOvr>
+    <a:masterClrMapping/>
+  </p:clrMapOvr>
+</p:sld>
+</file>
+
 <file path=ppt/slides/slide2.xml><?xml version="1.0" encoding="utf-8"?>
 <p:sld xmlns:a="http://schemas.openxmlformats.org/drawingml/2006/main" xmlns:r="http://schemas.openxmlformats.org/officeDocument/2006/relationships" xmlns:p="http://schemas.openxmlformats.org/presentationml/2006/main">
   <p:cSld>
